--- a/PowertPoint_Soutenance_Vendredi/MySourceProject_true_final.pptx
+++ b/PowertPoint_Soutenance_Vendredi/MySourceProject_true_final.pptx
@@ -15,7 +15,7 @@
     <p:sldId id="323" r:id="rId4"/>
     <p:sldId id="324" r:id="rId5"/>
     <p:sldId id="325" r:id="rId6"/>
-    <p:sldId id="326" r:id="rId7"/>
+    <p:sldId id="332" r:id="rId7"/>
     <p:sldId id="331" r:id="rId8"/>
     <p:sldId id="327" r:id="rId9"/>
     <p:sldId id="328" r:id="rId10"/>
@@ -123,7 +123,7 @@
   </p:defaultTextStyle>
   <p:extLst>
     <p:ext uri="{EFAFB233-063F-42B5-8137-9DF3F51BA10A}">
-      <p15:sldGuideLst xmlns="" xmlns:p15="http://schemas.microsoft.com/office/powerpoint/2012/main">
+      <p15:sldGuideLst xmlns:p15="http://schemas.microsoft.com/office/powerpoint/2012/main" xmlns="">
         <p15:guide id="1" orient="horz" pos="2160">
           <p15:clr>
             <a:srgbClr val="A4A3A4"/>
@@ -227,7 +227,7 @@
       </p15:sldGuideLst>
     </p:ext>
     <p:ext uri="{2D200454-40CA-4A62-9FC3-DE9A4176ACB9}">
-      <p15:notesGuideLst xmlns="" xmlns:p15="http://schemas.microsoft.com/office/powerpoint/2012/main"/>
+      <p15:notesGuideLst xmlns:p15="http://schemas.microsoft.com/office/powerpoint/2012/main" xmlns=""/>
     </p:ext>
   </p:extLst>
 </p:presentation>
@@ -451,24 +451,24 @@
           </c:val>
         </c:ser>
         <c:marker val="1"/>
-        <c:axId val="30611328"/>
-        <c:axId val="30618752"/>
+        <c:axId val="66304640"/>
+        <c:axId val="66224896"/>
       </c:lineChart>
       <c:catAx>
-        <c:axId val="30611328"/>
+        <c:axId val="66304640"/>
         <c:scaling>
           <c:orientation val="minMax"/>
         </c:scaling>
         <c:axPos val="b"/>
         <c:tickLblPos val="nextTo"/>
-        <c:crossAx val="30618752"/>
+        <c:crossAx val="66224896"/>
         <c:crosses val="autoZero"/>
         <c:auto val="1"/>
         <c:lblAlgn val="ctr"/>
         <c:lblOffset val="100"/>
       </c:catAx>
       <c:valAx>
-        <c:axId val="30618752"/>
+        <c:axId val="66224896"/>
         <c:scaling>
           <c:orientation val="minMax"/>
         </c:scaling>
@@ -476,7 +476,7 @@
         <c:majorGridlines/>
         <c:numFmt formatCode="#,##0.00\ &quot;€&quot;;[Red]\-#,##0.00\ &quot;€&quot;" sourceLinked="1"/>
         <c:tickLblPos val="nextTo"/>
-        <c:crossAx val="30611328"/>
+        <c:crossAx val="66304640"/>
         <c:crosses val="autoZero"/>
         <c:crossBetween val="between"/>
       </c:valAx>
@@ -584,7 +584,7 @@
             <a:fld id="{59088EAF-6ECA-4616-85EF-35AA19C641F3}" type="datetimeFigureOut">
               <a:rPr lang="en-US"/>
               <a:pPr/>
-              <a:t>3/7/2013</a:t>
+              <a:t>3/8/2013</a:t>
             </a:fld>
             <a:endParaRPr/>
           </a:p>
@@ -660,7 +660,7 @@
     </p:spTree>
     <p:extLst>
       <p:ext uri="{BB962C8B-B14F-4D97-AF65-F5344CB8AC3E}">
-        <p14:creationId xmlns="" xmlns:p14="http://schemas.microsoft.com/office/powerpoint/2010/main" val="3932065745"/>
+        <p14:creationId xmlns:p14="http://schemas.microsoft.com/office/powerpoint/2010/main" xmlns="" val="3932065745"/>
       </p:ext>
     </p:extLst>
   </p:cSld>
@@ -751,7 +751,7 @@
             <a:fld id="{3ABD2D7A-D230-4F91-BD59-0A39C2703BA8}" type="datetimeFigureOut">
               <a:rPr lang="en-US"/>
               <a:pPr/>
-              <a:t>3/7/2013</a:t>
+              <a:t>3/8/2013</a:t>
             </a:fld>
             <a:endParaRPr/>
           </a:p>
@@ -919,7 +919,7 @@
     </p:spTree>
     <p:extLst>
       <p:ext uri="{BB962C8B-B14F-4D97-AF65-F5344CB8AC3E}">
-        <p14:creationId xmlns="" xmlns:p14="http://schemas.microsoft.com/office/powerpoint/2010/main" val="4276579820"/>
+        <p14:creationId xmlns:p14="http://schemas.microsoft.com/office/powerpoint/2010/main" xmlns="" val="4276579820"/>
       </p:ext>
     </p:extLst>
   </p:cSld>
@@ -1094,7 +1094,7 @@
     </p:spTree>
     <p:extLst>
       <p:ext uri="{BB962C8B-B14F-4D97-AF65-F5344CB8AC3E}">
-        <p14:creationId xmlns="" xmlns:p14="http://schemas.microsoft.com/office/powerpoint/2010/main" val="3622955382"/>
+        <p14:creationId xmlns:p14="http://schemas.microsoft.com/office/powerpoint/2010/main" xmlns="" val="3622955382"/>
       </p:ext>
     </p:extLst>
   </p:cSld>
@@ -1368,7 +1368,7 @@
     </p:spTree>
     <p:extLst>
       <p:ext uri="{BB962C8B-B14F-4D97-AF65-F5344CB8AC3E}">
-        <p14:creationId xmlns="" xmlns:p14="http://schemas.microsoft.com/office/powerpoint/2010/main" val="1467807272"/>
+        <p14:creationId xmlns:p14="http://schemas.microsoft.com/office/powerpoint/2010/main" xmlns="" val="1467807272"/>
       </p:ext>
     </p:extLst>
   </p:cSld>
@@ -1376,7 +1376,7 @@
     <a:masterClrMapping/>
   </p:clrMapOvr>
   <mc:AlternateContent xmlns:mc="http://schemas.openxmlformats.org/markup-compatibility/2006">
-    <mc:Choice xmlns="" xmlns:p14="http://schemas.microsoft.com/office/powerpoint/2010/main" Requires="p14">
+    <mc:Choice xmlns:p14="http://schemas.microsoft.com/office/powerpoint/2010/main" xmlns="" Requires="p14">
       <p:transition spd="med" p14:dur="700">
         <p:fade/>
       </p:transition>
@@ -1554,7 +1554,7 @@
     </p:spTree>
     <p:extLst>
       <p:ext uri="{BB962C8B-B14F-4D97-AF65-F5344CB8AC3E}">
-        <p14:creationId xmlns="" xmlns:p14="http://schemas.microsoft.com/office/powerpoint/2010/main" val="3413959516"/>
+        <p14:creationId xmlns:p14="http://schemas.microsoft.com/office/powerpoint/2010/main" xmlns="" val="3413959516"/>
       </p:ext>
     </p:extLst>
   </p:cSld>
@@ -1562,7 +1562,7 @@
     <a:masterClrMapping/>
   </p:clrMapOvr>
   <mc:AlternateContent xmlns:mc="http://schemas.openxmlformats.org/markup-compatibility/2006">
-    <mc:Choice xmlns="" xmlns:p14="http://schemas.microsoft.com/office/powerpoint/2010/main" Requires="p14">
+    <mc:Choice xmlns:p14="http://schemas.microsoft.com/office/powerpoint/2010/main" xmlns="" Requires="p14">
       <p:transition spd="med" p14:dur="700">
         <p:fade/>
       </p:transition>
@@ -1750,7 +1750,7 @@
     </p:spTree>
     <p:extLst>
       <p:ext uri="{BB962C8B-B14F-4D97-AF65-F5344CB8AC3E}">
-        <p14:creationId xmlns="" xmlns:p14="http://schemas.microsoft.com/office/powerpoint/2010/main" val="689305260"/>
+        <p14:creationId xmlns:p14="http://schemas.microsoft.com/office/powerpoint/2010/main" xmlns="" val="689305260"/>
       </p:ext>
     </p:extLst>
   </p:cSld>
@@ -1758,7 +1758,7 @@
     <a:masterClrMapping/>
   </p:clrMapOvr>
   <mc:AlternateContent xmlns:mc="http://schemas.openxmlformats.org/markup-compatibility/2006">
-    <mc:Choice xmlns="" xmlns:p14="http://schemas.microsoft.com/office/powerpoint/2010/main" Requires="p14">
+    <mc:Choice xmlns:p14="http://schemas.microsoft.com/office/powerpoint/2010/main" xmlns="" Requires="p14">
       <p:transition spd="med" p14:dur="700">
         <p:fade/>
       </p:transition>
@@ -1943,7 +1943,7 @@
     </p:spTree>
     <p:extLst>
       <p:ext uri="{BB962C8B-B14F-4D97-AF65-F5344CB8AC3E}">
-        <p14:creationId xmlns="" xmlns:p14="http://schemas.microsoft.com/office/powerpoint/2010/main" val="2938807455"/>
+        <p14:creationId xmlns:p14="http://schemas.microsoft.com/office/powerpoint/2010/main" xmlns="" val="2938807455"/>
       </p:ext>
     </p:extLst>
   </p:cSld>
@@ -1951,7 +1951,7 @@
     <a:masterClrMapping/>
   </p:clrMapOvr>
   <mc:AlternateContent xmlns:mc="http://schemas.openxmlformats.org/markup-compatibility/2006">
-    <mc:Choice xmlns="" xmlns:p14="http://schemas.microsoft.com/office/powerpoint/2010/main" Requires="p14">
+    <mc:Choice xmlns:p14="http://schemas.microsoft.com/office/powerpoint/2010/main" xmlns="" Requires="p14">
       <p:transition spd="med" p14:dur="700">
         <p:fade/>
       </p:transition>
@@ -2215,7 +2215,7 @@
     </p:spTree>
     <p:extLst>
       <p:ext uri="{BB962C8B-B14F-4D97-AF65-F5344CB8AC3E}">
-        <p14:creationId xmlns="" xmlns:p14="http://schemas.microsoft.com/office/powerpoint/2010/main" val="1699672253"/>
+        <p14:creationId xmlns:p14="http://schemas.microsoft.com/office/powerpoint/2010/main" xmlns="" val="1699672253"/>
       </p:ext>
     </p:extLst>
   </p:cSld>
@@ -2223,7 +2223,7 @@
     <a:masterClrMapping/>
   </p:clrMapOvr>
   <mc:AlternateContent xmlns:mc="http://schemas.openxmlformats.org/markup-compatibility/2006">
-    <mc:Choice xmlns="" xmlns:p14="http://schemas.microsoft.com/office/powerpoint/2010/main" Requires="p14">
+    <mc:Choice xmlns:p14="http://schemas.microsoft.com/office/powerpoint/2010/main" xmlns="" Requires="p14">
       <p:transition spd="med" p14:dur="700">
         <p:fade/>
       </p:transition>
@@ -2528,7 +2528,7 @@
     </p:spTree>
     <p:extLst>
       <p:ext uri="{BB962C8B-B14F-4D97-AF65-F5344CB8AC3E}">
-        <p14:creationId xmlns="" xmlns:p14="http://schemas.microsoft.com/office/powerpoint/2010/main" val="3461894334"/>
+        <p14:creationId xmlns:p14="http://schemas.microsoft.com/office/powerpoint/2010/main" xmlns="" val="3461894334"/>
       </p:ext>
     </p:extLst>
   </p:cSld>
@@ -2536,7 +2536,7 @@
     <a:masterClrMapping/>
   </p:clrMapOvr>
   <mc:AlternateContent xmlns:mc="http://schemas.openxmlformats.org/markup-compatibility/2006">
-    <mc:Choice xmlns="" xmlns:p14="http://schemas.microsoft.com/office/powerpoint/2010/main" Requires="p14">
+    <mc:Choice xmlns:p14="http://schemas.microsoft.com/office/powerpoint/2010/main" xmlns="" Requires="p14">
       <p:transition spd="med" p14:dur="700">
         <p:fade/>
       </p:transition>
@@ -2993,7 +2993,7 @@
     </p:spTree>
     <p:extLst>
       <p:ext uri="{BB962C8B-B14F-4D97-AF65-F5344CB8AC3E}">
-        <p14:creationId xmlns="" xmlns:p14="http://schemas.microsoft.com/office/powerpoint/2010/main" val="1811993439"/>
+        <p14:creationId xmlns:p14="http://schemas.microsoft.com/office/powerpoint/2010/main" xmlns="" val="1811993439"/>
       </p:ext>
     </p:extLst>
   </p:cSld>
@@ -3001,7 +3001,7 @@
     <a:masterClrMapping/>
   </p:clrMapOvr>
   <mc:AlternateContent xmlns:mc="http://schemas.openxmlformats.org/markup-compatibility/2006">
-    <mc:Choice xmlns="" xmlns:p14="http://schemas.microsoft.com/office/powerpoint/2010/main" Requires="p14">
+    <mc:Choice xmlns:p14="http://schemas.microsoft.com/office/powerpoint/2010/main" xmlns="" Requires="p14">
       <p:transition spd="med" p14:dur="700">
         <p:fade/>
       </p:transition>
@@ -3127,7 +3127,7 @@
     </p:spTree>
     <p:extLst>
       <p:ext uri="{BB962C8B-B14F-4D97-AF65-F5344CB8AC3E}">
-        <p14:creationId xmlns="" xmlns:p14="http://schemas.microsoft.com/office/powerpoint/2010/main" val="1054585064"/>
+        <p14:creationId xmlns:p14="http://schemas.microsoft.com/office/powerpoint/2010/main" xmlns="" val="1054585064"/>
       </p:ext>
     </p:extLst>
   </p:cSld>
@@ -3135,7 +3135,7 @@
     <a:masterClrMapping/>
   </p:clrMapOvr>
   <mc:AlternateContent xmlns:mc="http://schemas.openxmlformats.org/markup-compatibility/2006">
-    <mc:Choice xmlns="" xmlns:p14="http://schemas.microsoft.com/office/powerpoint/2010/main" Requires="p14">
+    <mc:Choice xmlns:p14="http://schemas.microsoft.com/office/powerpoint/2010/main" xmlns="" Requires="p14">
       <p:transition spd="med" p14:dur="700">
         <p:fade/>
       </p:transition>
@@ -3238,7 +3238,7 @@
     </p:spTree>
     <p:extLst>
       <p:ext uri="{BB962C8B-B14F-4D97-AF65-F5344CB8AC3E}">
-        <p14:creationId xmlns="" xmlns:p14="http://schemas.microsoft.com/office/powerpoint/2010/main" val="30849146"/>
+        <p14:creationId xmlns:p14="http://schemas.microsoft.com/office/powerpoint/2010/main" xmlns="" val="30849146"/>
       </p:ext>
     </p:extLst>
   </p:cSld>
@@ -3246,7 +3246,7 @@
     <a:masterClrMapping/>
   </p:clrMapOvr>
   <mc:AlternateContent xmlns:mc="http://schemas.openxmlformats.org/markup-compatibility/2006">
-    <mc:Choice xmlns="" xmlns:p14="http://schemas.microsoft.com/office/powerpoint/2010/main" Requires="p14">
+    <mc:Choice xmlns:p14="http://schemas.microsoft.com/office/powerpoint/2010/main" xmlns="" Requires="p14">
       <p:transition spd="med" p14:dur="700">
         <p:fade/>
       </p:transition>
@@ -3550,7 +3550,7 @@
     </p:spTree>
     <p:extLst>
       <p:ext uri="{BB962C8B-B14F-4D97-AF65-F5344CB8AC3E}">
-        <p14:creationId xmlns="" xmlns:p14="http://schemas.microsoft.com/office/powerpoint/2010/main" val="465569986"/>
+        <p14:creationId xmlns:p14="http://schemas.microsoft.com/office/powerpoint/2010/main" xmlns="" val="465569986"/>
       </p:ext>
     </p:extLst>
   </p:cSld>
@@ -3558,7 +3558,7 @@
     <a:masterClrMapping/>
   </p:clrMapOvr>
   <mc:AlternateContent xmlns:mc="http://schemas.openxmlformats.org/markup-compatibility/2006">
-    <mc:Choice xmlns="" xmlns:p14="http://schemas.microsoft.com/office/powerpoint/2010/main" Requires="p14">
+    <mc:Choice xmlns:p14="http://schemas.microsoft.com/office/powerpoint/2010/main" xmlns="" Requires="p14">
       <p:transition spd="med" p14:dur="700">
         <p:fade/>
       </p:transition>
@@ -3851,7 +3851,7 @@
     </p:spTree>
     <p:extLst>
       <p:ext uri="{BB962C8B-B14F-4D97-AF65-F5344CB8AC3E}">
-        <p14:creationId xmlns="" xmlns:p14="http://schemas.microsoft.com/office/powerpoint/2010/main" val="85115312"/>
+        <p14:creationId xmlns:p14="http://schemas.microsoft.com/office/powerpoint/2010/main" xmlns="" val="85115312"/>
       </p:ext>
     </p:extLst>
   </p:cSld>
@@ -3859,7 +3859,7 @@
     <a:masterClrMapping/>
   </p:clrMapOvr>
   <mc:AlternateContent xmlns:mc="http://schemas.openxmlformats.org/markup-compatibility/2006">
-    <mc:Choice xmlns="" xmlns:p14="http://schemas.microsoft.com/office/powerpoint/2010/main" Requires="p14">
+    <mc:Choice xmlns:p14="http://schemas.microsoft.com/office/powerpoint/2010/main" xmlns="" Requires="p14">
       <p:transition spd="med" p14:dur="700">
         <p:fade/>
       </p:transition>
@@ -4128,7 +4128,7 @@
     </p:spTree>
     <p:extLst>
       <p:ext uri="{BB962C8B-B14F-4D97-AF65-F5344CB8AC3E}">
-        <p14:creationId xmlns="" xmlns:p14="http://schemas.microsoft.com/office/powerpoint/2010/main" val="2445344209"/>
+        <p14:creationId xmlns:p14="http://schemas.microsoft.com/office/powerpoint/2010/main" xmlns="" val="2445344209"/>
       </p:ext>
     </p:extLst>
   </p:cSld>
@@ -4147,7 +4147,7 @@
     <p:sldLayoutId id="2147483683" r:id="rId11"/>
   </p:sldLayoutIdLst>
   <mc:AlternateContent xmlns:mc="http://schemas.openxmlformats.org/markup-compatibility/2006">
-    <mc:Choice xmlns="" xmlns:p14="http://schemas.microsoft.com/office/powerpoint/2010/main" Requires="p14">
+    <mc:Choice xmlns:p14="http://schemas.microsoft.com/office/powerpoint/2010/main" xmlns="" Requires="p14">
       <p:transition spd="med" p14:dur="700">
         <p:fade/>
       </p:transition>
@@ -4725,10 +4725,36 @@
           </a:p>
         </p:txBody>
       </p:sp>
+      <p:pic>
+        <p:nvPicPr>
+          <p:cNvPr id="4" name="Picture 2" descr="C:\MCSI\Projet semaine web\DRAFT\Logo\logo3.png"/>
+          <p:cNvPicPr>
+            <a:picLocks noChangeAspect="1" noChangeArrowheads="1"/>
+          </p:cNvPicPr>
+          <p:nvPr/>
+        </p:nvPicPr>
+        <p:blipFill>
+          <a:blip r:embed="rId3" cstate="print"/>
+          <a:srcRect/>
+          <a:stretch>
+            <a:fillRect/>
+          </a:stretch>
+        </p:blipFill>
+        <p:spPr bwMode="auto">
+          <a:xfrm>
+            <a:off x="9046740" y="3356992"/>
+            <a:ext cx="1512168" cy="1619040"/>
+          </a:xfrm>
+          <a:prstGeom prst="rect">
+            <a:avLst/>
+          </a:prstGeom>
+          <a:noFill/>
+        </p:spPr>
+      </p:pic>
     </p:spTree>
     <p:extLst>
       <p:ext uri="{BB962C8B-B14F-4D97-AF65-F5344CB8AC3E}">
-        <p14:creationId xmlns="" xmlns:p14="http://schemas.microsoft.com/office/powerpoint/2010/main" val="4214489819"/>
+        <p14:creationId xmlns:p14="http://schemas.microsoft.com/office/powerpoint/2010/main" xmlns="" val="4214489819"/>
       </p:ext>
     </p:extLst>
   </p:cSld>
@@ -4736,7 +4762,7 @@
     <a:masterClrMapping/>
   </p:clrMapOvr>
   <mc:AlternateContent xmlns:mc="http://schemas.openxmlformats.org/markup-compatibility/2006">
-    <mc:Choice xmlns="" xmlns:p14="http://schemas.microsoft.com/office/powerpoint/2010/main" Requires="p14">
+    <mc:Choice xmlns:p14="http://schemas.microsoft.com/office/powerpoint/2010/main" xmlns="" Requires="p14">
       <p:transition p14:dur="0"/>
     </mc:Choice>
     <mc:Fallback>
@@ -4792,7 +4818,7 @@
           <a:p>
             <a:r>
               <a:rPr lang="fr-FR" dirty="0" smtClean="0"/>
-              <a:t>Projet « Plug In Play »</a:t>
+              <a:t>Promesse utilisateur</a:t>
             </a:r>
           </a:p>
           <a:p>
@@ -4801,16 +4827,24 @@
           <a:p>
             <a:r>
               <a:rPr lang="fr-FR" dirty="0" smtClean="0"/>
-              <a:t>S’inspirer</a:t>
-            </a:r>
-          </a:p>
-          <a:p>
+              <a:t>Ci</a:t>
+            </a:r>
+            <a:r>
+              <a:rPr lang="fr-FR" dirty="0" smtClean="0"/>
+              <a:t>ble</a:t>
+            </a:r>
             <a:endParaRPr lang="fr-FR" dirty="0" smtClean="0"/>
           </a:p>
           <a:p>
+            <a:pPr>
+              <a:buNone/>
+            </a:pPr>
+            <a:endParaRPr lang="fr-FR" dirty="0" smtClean="0"/>
+          </a:p>
+          <a:p>
             <a:r>
               <a:rPr lang="fr-FR" dirty="0" smtClean="0"/>
-              <a:t>Echanger avec l’uploader</a:t>
+              <a:t>Fonctionnalités</a:t>
             </a:r>
           </a:p>
           <a:p>
@@ -4819,8 +4853,9 @@
           <a:p>
             <a:r>
               <a:rPr lang="fr-FR" dirty="0" smtClean="0"/>
-              <a:t>Recrutement</a:t>
-            </a:r>
+              <a:t>Originalité de notre approche</a:t>
+            </a:r>
+            <a:endParaRPr lang="fr-FR" dirty="0" smtClean="0"/>
           </a:p>
         </p:txBody>
       </p:sp>
@@ -4850,7 +4885,19 @@
                   </a:outerShdw>
                 </a:effectLst>
               </a:rPr>
-              <a:t>CONCEPT</a:t>
+              <a:t>L</a:t>
+            </a:r>
+            <a:r>
+              <a:rPr lang="en-US" dirty="0" smtClean="0">
+                <a:effectLst>
+                  <a:outerShdw blurRad="38100" dist="38100" dir="2700000" algn="tl">
+                    <a:srgbClr val="000000">
+                      <a:alpha val="43137"/>
+                    </a:srgbClr>
+                  </a:outerShdw>
+                </a:effectLst>
+              </a:rPr>
+              <a:t>E PROJET</a:t>
             </a:r>
             <a:endParaRPr lang="en-US" dirty="0">
               <a:effectLst>
@@ -4893,7 +4940,7 @@
     </p:spTree>
     <p:extLst>
       <p:ext uri="{BB962C8B-B14F-4D97-AF65-F5344CB8AC3E}">
-        <p14:creationId xmlns="" xmlns:p14="http://schemas.microsoft.com/office/powerpoint/2010/main" val="1994694413"/>
+        <p14:creationId xmlns:p14="http://schemas.microsoft.com/office/powerpoint/2010/main" xmlns="" val="1994694413"/>
       </p:ext>
     </p:extLst>
   </p:cSld>
@@ -4901,7 +4948,7 @@
     <a:masterClrMapping/>
   </p:clrMapOvr>
   <mc:AlternateContent xmlns:mc="http://schemas.openxmlformats.org/markup-compatibility/2006">
-    <mc:Choice xmlns="" xmlns:p14="http://schemas.microsoft.com/office/powerpoint/2010/main" Requires="p14">
+    <mc:Choice xmlns:p14="http://schemas.microsoft.com/office/powerpoint/2010/main" xmlns="" Requires="p14">
       <p:transition p14:dur="0"/>
     </mc:Choice>
     <mc:Fallback>
@@ -4947,63 +4994,78 @@
         </p:nvSpPr>
         <p:spPr/>
         <p:txBody>
+          <a:bodyPr>
+            <a:normAutofit lnSpcReduction="10000"/>
+          </a:bodyPr>
+          <a:lstStyle/>
+          <a:p>
+            <a:endParaRPr lang="fr-FR" dirty="0" smtClean="0"/>
+          </a:p>
+          <a:p>
+            <a:r>
+              <a:rPr lang="fr-FR" dirty="0" smtClean="0"/>
+              <a:t>Portée et dimension</a:t>
+            </a:r>
+            <a:endParaRPr lang="fr-FR" dirty="0" smtClean="0"/>
+          </a:p>
+          <a:p>
+            <a:endParaRPr lang="fr-FR" dirty="0" smtClean="0"/>
+          </a:p>
+          <a:p>
+            <a:r>
+              <a:rPr lang="fr-FR" dirty="0" smtClean="0"/>
+              <a:t>Concurrence</a:t>
+            </a:r>
+            <a:endParaRPr lang="fr-FR" dirty="0" smtClean="0"/>
+          </a:p>
+          <a:p>
+            <a:endParaRPr lang="fr-FR" dirty="0" smtClean="0"/>
+          </a:p>
+          <a:p>
+            <a:r>
+              <a:rPr lang="fr-FR" dirty="0" smtClean="0"/>
+              <a:t>Modèle économique</a:t>
+            </a:r>
+          </a:p>
+          <a:p>
+            <a:endParaRPr lang="fr-FR" dirty="0" smtClean="0"/>
+          </a:p>
+          <a:p>
+            <a:r>
+              <a:rPr lang="fr-FR" dirty="0" smtClean="0"/>
+              <a:t>Opportunité de marché</a:t>
+            </a:r>
+          </a:p>
+          <a:p>
+            <a:endParaRPr lang="fr-FR" dirty="0" smtClean="0"/>
+          </a:p>
+          <a:p>
+            <a:endParaRPr lang="fr-FR" dirty="0" smtClean="0"/>
+          </a:p>
+          <a:p>
+            <a:endParaRPr lang="fr-FR" dirty="0"/>
+          </a:p>
+        </p:txBody>
+      </p:sp>
+      <p:sp>
+        <p:nvSpPr>
+          <p:cNvPr id="3" name="Titre 2"/>
+          <p:cNvSpPr>
+            <a:spLocks noGrp="1"/>
+          </p:cNvSpPr>
+          <p:nvPr>
+            <p:ph type="title"/>
+          </p:nvPr>
+        </p:nvSpPr>
+        <p:spPr/>
+        <p:txBody>
           <a:bodyPr/>
           <a:lstStyle/>
           <a:p>
-            <a:endParaRPr lang="fr-FR" dirty="0" smtClean="0"/>
-          </a:p>
-          <a:p>
+            <a:pPr algn="ctr"/>
             <a:r>
               <a:rPr lang="fr-FR" dirty="0" smtClean="0"/>
-              <a:t>Inscription</a:t>
-            </a:r>
-          </a:p>
-          <a:p>
-            <a:endParaRPr lang="fr-FR" dirty="0" smtClean="0"/>
-          </a:p>
-          <a:p>
-            <a:r>
-              <a:rPr lang="fr-FR" dirty="0" err="1" smtClean="0"/>
-              <a:t>Upload</a:t>
-            </a:r>
-            <a:r>
-              <a:rPr lang="fr-FR" dirty="0" smtClean="0"/>
-              <a:t> de projets</a:t>
-            </a:r>
-          </a:p>
-          <a:p>
-            <a:endParaRPr lang="fr-FR" dirty="0" smtClean="0"/>
-          </a:p>
-          <a:p>
-            <a:r>
-              <a:rPr lang="fr-FR" dirty="0" smtClean="0"/>
-              <a:t>Statistiques</a:t>
-            </a:r>
-          </a:p>
-          <a:p>
-            <a:endParaRPr lang="fr-FR" dirty="0"/>
-          </a:p>
-        </p:txBody>
-      </p:sp>
-      <p:sp>
-        <p:nvSpPr>
-          <p:cNvPr id="3" name="Titre 2"/>
-          <p:cNvSpPr>
-            <a:spLocks noGrp="1"/>
-          </p:cNvSpPr>
-          <p:nvPr>
-            <p:ph type="title"/>
-          </p:nvPr>
-        </p:nvSpPr>
-        <p:spPr/>
-        <p:txBody>
-          <a:bodyPr/>
-          <a:lstStyle/>
-          <a:p>
-            <a:pPr algn="ctr"/>
-            <a:r>
-              <a:rPr lang="fr-FR" dirty="0" smtClean="0"/>
-              <a:t>Fonctionnement de MSP : Contributeur</a:t>
+              <a:t>Le marché</a:t>
             </a:r>
             <a:endParaRPr lang="fr-FR" dirty="0"/>
           </a:p>
@@ -5041,7 +5103,7 @@
     <a:masterClrMapping/>
   </p:clrMapOvr>
   <mc:AlternateContent xmlns:mc="http://schemas.openxmlformats.org/markup-compatibility/2006">
-    <mc:Choice xmlns="" xmlns:p14="http://schemas.microsoft.com/office/powerpoint/2010/main" Requires="p14">
+    <mc:Choice xmlns:p14="http://schemas.microsoft.com/office/powerpoint/2010/main" xmlns="" Requires="p14">
       <p:transition spd="med" p14:dur="700">
         <p:fade/>
       </p:transition>
@@ -5092,13 +5154,13 @@
         <p:spPr/>
         <p:txBody>
           <a:bodyPr>
-            <a:normAutofit fontScale="92500" lnSpcReduction="20000"/>
+            <a:normAutofit/>
           </a:bodyPr>
           <a:lstStyle/>
           <a:p>
             <a:r>
               <a:rPr lang="fr-FR" dirty="0" smtClean="0"/>
-              <a:t>Inscription</a:t>
+              <a:t>Sites étudiants</a:t>
             </a:r>
           </a:p>
           <a:p>
@@ -5106,46 +5168,31 @@
           </a:p>
           <a:p>
             <a:r>
+              <a:rPr lang="fr-FR" dirty="0" smtClean="0"/>
+              <a:t>Encart publicitaire</a:t>
+            </a:r>
+          </a:p>
+          <a:p>
+            <a:endParaRPr lang="fr-FR" dirty="0" smtClean="0"/>
+          </a:p>
+          <a:p>
+            <a:r>
+              <a:rPr lang="fr-FR" dirty="0" smtClean="0"/>
+              <a:t>Bouche à oreille</a:t>
+            </a:r>
+          </a:p>
+          <a:p>
+            <a:endParaRPr lang="fr-FR" dirty="0" smtClean="0"/>
+          </a:p>
+          <a:p>
+            <a:r>
+              <a:rPr lang="fr-FR" dirty="0" smtClean="0"/>
+              <a:t>Clip </a:t>
+            </a:r>
+            <a:r>
               <a:rPr lang="fr-FR" dirty="0" err="1" smtClean="0"/>
-              <a:t>Download</a:t>
-            </a:r>
-            <a:r>
-              <a:rPr lang="fr-FR" dirty="0" smtClean="0"/>
-              <a:t> de projet</a:t>
-            </a:r>
-          </a:p>
-          <a:p>
-            <a:endParaRPr lang="fr-FR" dirty="0" smtClean="0"/>
-          </a:p>
-          <a:p>
-            <a:r>
-              <a:rPr lang="fr-FR" dirty="0" smtClean="0"/>
-              <a:t>Recherche par mot-clé</a:t>
-            </a:r>
-          </a:p>
-          <a:p>
-            <a:endParaRPr lang="fr-FR" dirty="0" smtClean="0"/>
-          </a:p>
-          <a:p>
-            <a:r>
-              <a:rPr lang="fr-FR" dirty="0" err="1" smtClean="0"/>
-              <a:t>Ranking</a:t>
-            </a:r>
-            <a:r>
-              <a:rPr lang="fr-FR" dirty="0" smtClean="0"/>
-              <a:t> des projets téléchargés</a:t>
-            </a:r>
-          </a:p>
-          <a:p>
-            <a:endParaRPr lang="fr-FR" dirty="0" smtClean="0"/>
-          </a:p>
-          <a:p>
-            <a:r>
-              <a:rPr lang="fr-FR" dirty="0" smtClean="0"/>
-              <a:t>Commentaire</a:t>
-            </a:r>
-          </a:p>
-          <a:p>
+              <a:t>Youtube</a:t>
+            </a:r>
             <a:endParaRPr lang="fr-FR" dirty="0"/>
           </a:p>
         </p:txBody>
@@ -5168,7 +5215,7 @@
             <a:pPr algn="ctr"/>
             <a:r>
               <a:rPr lang="fr-FR" dirty="0" smtClean="0"/>
-              <a:t>Fonctionnement de MSP : User</a:t>
+              <a:t>Stratégie de communication</a:t>
             </a:r>
             <a:endParaRPr lang="fr-FR" dirty="0"/>
           </a:p>
@@ -5206,7 +5253,7 @@
     <a:masterClrMapping/>
   </p:clrMapOvr>
   <mc:AlternateContent xmlns:mc="http://schemas.openxmlformats.org/markup-compatibility/2006">
-    <mc:Choice xmlns="" xmlns:p14="http://schemas.microsoft.com/office/powerpoint/2010/main" Requires="p14">
+    <mc:Choice xmlns:p14="http://schemas.microsoft.com/office/powerpoint/2010/main" xmlns="" Requires="p14">
       <p:transition spd="med" p14:dur="700">
         <p:fade/>
       </p:transition>
@@ -5256,116 +5303,79 @@
         </p:nvSpPr>
         <p:spPr/>
         <p:txBody>
-          <a:bodyPr>
-            <a:normAutofit/>
-          </a:bodyPr>
-          <a:lstStyle/>
-          <a:p>
-            <a:endParaRPr lang="fr-FR" dirty="0" smtClean="0"/>
-          </a:p>
-          <a:p>
-            <a:r>
-              <a:rPr lang="fr-FR" dirty="0" smtClean="0"/>
-              <a:t>Charge</a:t>
-            </a:r>
-          </a:p>
-          <a:p>
-            <a:r>
-              <a:rPr lang="fr-FR" dirty="0" smtClean="0"/>
-              <a:t>Publicité</a:t>
-            </a:r>
-            <a:endParaRPr lang="fr-FR" dirty="0" smtClean="0"/>
-          </a:p>
-          <a:p>
-            <a:r>
-              <a:rPr lang="fr-FR" dirty="0" smtClean="0"/>
-              <a:t>Commission par </a:t>
-            </a:r>
-            <a:r>
-              <a:rPr lang="fr-FR" dirty="0" smtClean="0"/>
-              <a:t>projet</a:t>
-            </a:r>
-            <a:endParaRPr lang="fr-FR" dirty="0" smtClean="0"/>
-          </a:p>
-          <a:p>
-            <a:r>
-              <a:rPr lang="fr-FR" dirty="0" smtClean="0"/>
-              <a:t>Abonnement </a:t>
-            </a:r>
-            <a:r>
-              <a:rPr lang="fr-FR" dirty="0" smtClean="0"/>
-              <a:t>Utilisateurs</a:t>
-            </a:r>
-            <a:endParaRPr lang="fr-FR" dirty="0" smtClean="0"/>
-          </a:p>
-          <a:p>
-            <a:r>
-              <a:rPr lang="fr-FR" dirty="0" smtClean="0"/>
-              <a:t>Abonnement Entreprise</a:t>
-            </a:r>
-          </a:p>
-          <a:p>
-            <a:endParaRPr lang="fr-FR" dirty="0"/>
-          </a:p>
-        </p:txBody>
-      </p:sp>
-      <p:sp>
-        <p:nvSpPr>
-          <p:cNvPr id="3" name="Titre 2"/>
-          <p:cNvSpPr>
-            <a:spLocks noGrp="1"/>
-          </p:cNvSpPr>
-          <p:nvPr>
-            <p:ph type="title"/>
-          </p:nvPr>
-        </p:nvSpPr>
-        <p:spPr/>
-        <p:txBody>
           <a:bodyPr/>
           <a:lstStyle/>
           <a:p>
-            <a:pPr algn="ctr"/>
             <a:r>
               <a:rPr lang="fr-FR" dirty="0" smtClean="0"/>
-              <a:t>Modèle économique</a:t>
-            </a:r>
+              <a:t>Faculté d’adaptation</a:t>
+            </a:r>
+          </a:p>
+          <a:p>
+            <a:endParaRPr lang="fr-FR" dirty="0" smtClean="0"/>
+          </a:p>
+          <a:p>
+            <a:r>
+              <a:rPr lang="fr-FR" dirty="0" smtClean="0"/>
+              <a:t>Trouver une idée viable</a:t>
+            </a:r>
+          </a:p>
+          <a:p>
+            <a:endParaRPr lang="fr-FR" dirty="0" smtClean="0"/>
+          </a:p>
+          <a:p>
+            <a:r>
+              <a:rPr lang="fr-FR" dirty="0" smtClean="0"/>
+              <a:t>Temps limité</a:t>
+            </a:r>
+          </a:p>
+          <a:p>
+            <a:endParaRPr lang="fr-FR" dirty="0" smtClean="0"/>
+          </a:p>
+          <a:p>
+            <a:r>
+              <a:rPr lang="fr-FR" dirty="0" smtClean="0"/>
+              <a:t>Groupe de 4 personnes</a:t>
+            </a:r>
+          </a:p>
+          <a:p>
+            <a:endParaRPr lang="fr-FR" dirty="0" smtClean="0"/>
+          </a:p>
+          <a:p>
             <a:endParaRPr lang="fr-FR" dirty="0"/>
           </a:p>
         </p:txBody>
       </p:sp>
-      <p:pic>
-        <p:nvPicPr>
-          <p:cNvPr id="4098" name="Picture 2" descr="C:\mysourceproject\PowertPoint_Soutenance_Vendredi\argent.jpg"/>
-          <p:cNvPicPr>
-            <a:picLocks noChangeAspect="1" noChangeArrowheads="1"/>
-          </p:cNvPicPr>
-          <p:nvPr/>
-        </p:nvPicPr>
-        <p:blipFill>
-          <a:blip r:embed="rId2" cstate="print"/>
-          <a:srcRect/>
-          <a:stretch>
-            <a:fillRect/>
-          </a:stretch>
-        </p:blipFill>
-        <p:spPr bwMode="auto">
-          <a:xfrm>
-            <a:off x="7102524" y="2780928"/>
-            <a:ext cx="3441191" cy="2281659"/>
-          </a:xfrm>
-          <a:prstGeom prst="rect">
-            <a:avLst/>
-          </a:prstGeom>
-          <a:noFill/>
-        </p:spPr>
-      </p:pic>
+      <p:sp>
+        <p:nvSpPr>
+          <p:cNvPr id="3" name="Titre 2"/>
+          <p:cNvSpPr>
+            <a:spLocks noGrp="1"/>
+          </p:cNvSpPr>
+          <p:nvPr>
+            <p:ph type="title"/>
+          </p:nvPr>
+        </p:nvSpPr>
+        <p:spPr/>
+        <p:txBody>
+          <a:bodyPr/>
+          <a:lstStyle/>
+          <a:p>
+            <a:r>
+              <a:rPr lang="fr-FR" dirty="0" smtClean="0"/>
+              <a:t>Difficultés et obstacles à surmonter</a:t>
+            </a:r>
+            <a:endParaRPr lang="fr-FR" dirty="0"/>
+          </a:p>
+        </p:txBody>
+      </p:sp>
     </p:spTree>
   </p:cSld>
   <p:clrMapOvr>
     <a:masterClrMapping/>
   </p:clrMapOvr>
   <mc:AlternateContent xmlns:mc="http://schemas.openxmlformats.org/markup-compatibility/2006">
-    <mc:Choice xmlns="" xmlns:p14="http://schemas.microsoft.com/office/powerpoint/2010/main" Requires="p14">
+    <mc:Choice xmlns:p14="http://schemas.microsoft.com/office/powerpoint/2010/main" xmlns="" Requires="p14">
       <p:transition spd="med" p14:dur="700">
         <p:fade/>
       </p:transition>
@@ -5441,11 +5451,7 @@
             <a:pPr algn="ctr"/>
             <a:r>
               <a:rPr lang="fr-FR" dirty="0" smtClean="0"/>
-              <a:t>Courbe d’évaluation </a:t>
-            </a:r>
-            <a:r>
-              <a:rPr lang="fr-FR" smtClean="0"/>
-              <a:t>des coûts</a:t>
+              <a:t>Plan de financement</a:t>
             </a:r>
             <a:endParaRPr lang="fr-FR" dirty="0"/>
           </a:p>
@@ -5457,7 +5463,7 @@
     <a:masterClrMapping/>
   </p:clrMapOvr>
   <mc:AlternateContent xmlns:mc="http://schemas.openxmlformats.org/markup-compatibility/2006">
-    <mc:Choice xmlns="" xmlns:p14="http://schemas.microsoft.com/office/powerpoint/2010/main" Requires="p14">
+    <mc:Choice xmlns:p14="http://schemas.microsoft.com/office/powerpoint/2010/main" xmlns="" Requires="p14">
       <p:transition spd="med" p14:dur="700">
         <p:fade/>
       </p:transition>
@@ -5468,6 +5474,13 @@
       </p:transition>
     </mc:Fallback>
   </mc:AlternateContent>
+  <p:timing>
+    <p:tnLst>
+      <p:par>
+        <p:cTn id="1" dur="indefinite" restart="never" nodeType="tmRoot"/>
+      </p:par>
+    </p:tnLst>
+  </p:timing>
 </p:sld>
 </file>
 
@@ -5503,53 +5516,30 @@
           <a:bodyPr/>
           <a:lstStyle/>
           <a:p>
+            <a:endParaRPr lang="fr-FR" dirty="0" smtClean="0"/>
+          </a:p>
+          <a:p>
             <a:r>
               <a:rPr lang="fr-FR" dirty="0" smtClean="0"/>
-              <a:t>Google </a:t>
+              <a:t>Principaux </a:t>
             </a:r>
             <a:r>
               <a:rPr lang="fr-FR" dirty="0" err="1" smtClean="0"/>
-              <a:t>it</a:t>
+              <a:t>Widgets</a:t>
             </a:r>
             <a:endParaRPr lang="fr-FR" dirty="0" smtClean="0"/>
           </a:p>
           <a:p>
+            <a:endParaRPr lang="fr-FR" dirty="0" smtClean="0"/>
+          </a:p>
+          <a:p>
+            <a:endParaRPr lang="fr-FR" dirty="0" smtClean="0"/>
+          </a:p>
+          <a:p>
             <a:r>
               <a:rPr lang="fr-FR" dirty="0" smtClean="0"/>
-              <a:t>Projet différents</a:t>
-            </a:r>
-          </a:p>
-          <a:p>
-            <a:r>
-              <a:rPr lang="fr-FR" dirty="0" smtClean="0"/>
-              <a:t>Micro-transactions</a:t>
-            </a:r>
-          </a:p>
-          <a:p>
-            <a:r>
-              <a:rPr lang="fr-FR" dirty="0" smtClean="0"/>
-              <a:t>Facilité des contrôles</a:t>
-            </a:r>
-          </a:p>
-          <a:p>
-            <a:r>
-              <a:rPr lang="fr-FR" dirty="0" smtClean="0"/>
-              <a:t>Aide débutant</a:t>
-            </a:r>
-          </a:p>
-          <a:p>
-            <a:r>
-              <a:rPr lang="fr-FR" dirty="0" smtClean="0"/>
-              <a:t>Echange avec l’uploader</a:t>
-            </a:r>
-          </a:p>
-          <a:p>
-            <a:r>
-              <a:rPr lang="fr-FR" dirty="0" smtClean="0"/>
-              <a:t>Modèle semblable</a:t>
-            </a:r>
-          </a:p>
-          <a:p>
+              <a:t>Principales vues</a:t>
+            </a:r>
             <a:endParaRPr lang="fr-FR" dirty="0"/>
           </a:p>
         </p:txBody>
@@ -5572,7 +5562,7 @@
             <a:pPr algn="ctr"/>
             <a:r>
               <a:rPr lang="fr-FR" dirty="0" smtClean="0"/>
-              <a:t>Ethique de MSP</a:t>
+              <a:t>Principe Ergonomique</a:t>
             </a:r>
             <a:endParaRPr lang="fr-FR" dirty="0"/>
           </a:p>
@@ -5580,7 +5570,7 @@
       </p:sp>
       <p:pic>
         <p:nvPicPr>
-          <p:cNvPr id="5122" name="Picture 2" descr="C:\mysourceproject\PowertPoint_Soutenance_Vendredi\ethique.jpg"/>
+          <p:cNvPr id="1026" name="Picture 2" descr="C:\mysourceproject\PowertPoint_Soutenance_Vendredi\widgets.jpg"/>
           <p:cNvPicPr>
             <a:picLocks noChangeAspect="1" noChangeArrowheads="1"/>
           </p:cNvPicPr>
@@ -5595,8 +5585,8 @@
         </p:blipFill>
         <p:spPr bwMode="auto">
           <a:xfrm>
-            <a:off x="7174532" y="2348880"/>
-            <a:ext cx="3116118" cy="2304256"/>
+            <a:off x="7534572" y="2564904"/>
+            <a:ext cx="2295525" cy="1990725"/>
           </a:xfrm>
           <a:prstGeom prst="rect">
             <a:avLst/>
@@ -5610,7 +5600,7 @@
     <a:masterClrMapping/>
   </p:clrMapOvr>
   <mc:AlternateContent xmlns:mc="http://schemas.openxmlformats.org/markup-compatibility/2006">
-    <mc:Choice xmlns="" xmlns:p14="http://schemas.microsoft.com/office/powerpoint/2010/main" Requires="p14">
+    <mc:Choice xmlns:p14="http://schemas.microsoft.com/office/powerpoint/2010/main" xmlns="" Requires="p14">
       <p:transition spd="med" p14:dur="700">
         <p:fade/>
       </p:transition>
@@ -5671,28 +5661,8 @@
           <a:p>
             <a:r>
               <a:rPr lang="fr-FR" dirty="0" smtClean="0"/>
-              <a:t>Langue(s)</a:t>
-            </a:r>
-          </a:p>
-          <a:p>
-            <a:endParaRPr lang="fr-FR" dirty="0" smtClean="0"/>
-          </a:p>
-          <a:p>
-            <a:r>
-              <a:rPr lang="fr-FR" dirty="0" smtClean="0"/>
-              <a:t>Catégorie(s)</a:t>
-            </a:r>
-          </a:p>
-          <a:p>
-            <a:endParaRPr lang="fr-FR" dirty="0" smtClean="0"/>
-          </a:p>
-          <a:p>
-            <a:r>
-              <a:rPr lang="fr-FR" dirty="0" smtClean="0"/>
-              <a:t>Outil statistique </a:t>
-            </a:r>
-          </a:p>
-          <a:p>
+              <a:t>Image du site à mettre ici</a:t>
+            </a:r>
             <a:endParaRPr lang="fr-FR" dirty="0"/>
           </a:p>
         </p:txBody>
@@ -5715,45 +5685,19 @@
             <a:pPr algn="ctr"/>
             <a:r>
               <a:rPr lang="fr-FR" dirty="0" smtClean="0"/>
-              <a:t>Extensions possibles</a:t>
+              <a:t>Démonstration</a:t>
             </a:r>
             <a:endParaRPr lang="fr-FR" dirty="0"/>
           </a:p>
         </p:txBody>
       </p:sp>
-      <p:pic>
-        <p:nvPicPr>
-          <p:cNvPr id="6150" name="Picture 6" descr="C:\mysourceproject\PowertPoint_Soutenance_Vendredi\index.jpg"/>
-          <p:cNvPicPr>
-            <a:picLocks noChangeAspect="1" noChangeArrowheads="1"/>
-          </p:cNvPicPr>
-          <p:nvPr/>
-        </p:nvPicPr>
-        <p:blipFill>
-          <a:blip r:embed="rId2" cstate="print"/>
-          <a:srcRect/>
-          <a:stretch>
-            <a:fillRect/>
-          </a:stretch>
-        </p:blipFill>
-        <p:spPr bwMode="auto">
-          <a:xfrm>
-            <a:off x="6958508" y="2564904"/>
-            <a:ext cx="2952328" cy="2163538"/>
-          </a:xfrm>
-          <a:prstGeom prst="rect">
-            <a:avLst/>
-          </a:prstGeom>
-          <a:noFill/>
-        </p:spPr>
-      </p:pic>
     </p:spTree>
   </p:cSld>
   <p:clrMapOvr>
     <a:masterClrMapping/>
   </p:clrMapOvr>
   <mc:AlternateContent xmlns:mc="http://schemas.openxmlformats.org/markup-compatibility/2006">
-    <mc:Choice xmlns="" xmlns:p14="http://schemas.microsoft.com/office/powerpoint/2010/main" Requires="p14">
+    <mc:Choice xmlns:p14="http://schemas.microsoft.com/office/powerpoint/2010/main" xmlns="" Requires="p14">
       <p:transition spd="med" p14:dur="700">
         <p:fade/>
       </p:transition>
@@ -5892,7 +5836,7 @@
     <a:masterClrMapping/>
   </p:clrMapOvr>
   <mc:AlternateContent xmlns:mc="http://schemas.openxmlformats.org/markup-compatibility/2006">
-    <mc:Choice xmlns="" xmlns:p14="http://schemas.microsoft.com/office/powerpoint/2010/main" Requires="p14">
+    <mc:Choice xmlns:p14="http://schemas.microsoft.com/office/powerpoint/2010/main" xmlns="" Requires="p14">
       <p:transition spd="med" p14:dur="700">
         <p:fade/>
       </p:transition>
@@ -6245,7 +6189,7 @@
   <a:extraClrSchemeLst/>
   <a:extLst>
     <a:ext uri="{05A4C25C-085E-4340-85A3-A5531E510DB2}">
-      <thm15:themeFamily xmlns="" xmlns:thm15="http://schemas.microsoft.com/office/thememl/2012/main" name="Blue atom design template" id="{88D99BA8-EA61-49B7-A82C-02C934D1545A}" vid="{E9C00F38-7B18-4192-A9FF-2047DACB0129}"/>
+      <thm15:themeFamily xmlns:thm15="http://schemas.microsoft.com/office/thememl/2012/main" xmlns="" name="Blue atom design template" id="{88D99BA8-EA61-49B7-A82C-02C934D1545A}" vid="{E9C00F38-7B18-4192-A9FF-2047DACB0129}"/>
     </a:ext>
   </a:extLst>
 </a:theme>
